--- a/Elektrotechnik_II_erzeugung.pptx
+++ b/Elektrotechnik_II_erzeugung.pptx
@@ -331,7 +331,7 @@
           <a:p>
             <a:fld id="{1823C510-8ABD-4A57-BACE-703EC44E3E5D}" type="datetimeFigureOut">
               <a:rPr lang="de-DE" smtClean="0"/>
-              <a:t>14.06.2018</a:t>
+              <a:t>07.06.2021</a:t>
             </a:fld>
             <a:endParaRPr lang="de-DE"/>
           </a:p>
@@ -575,7 +575,7 @@
           <a:p>
             <a:fld id="{1823C510-8ABD-4A57-BACE-703EC44E3E5D}" type="datetimeFigureOut">
               <a:rPr lang="de-DE" smtClean="0"/>
-              <a:t>14.06.2018</a:t>
+              <a:t>07.06.2021</a:t>
             </a:fld>
             <a:endParaRPr lang="de-DE"/>
           </a:p>
@@ -672,7 +672,7 @@
           <a:p>
             <a:fld id="{1823C510-8ABD-4A57-BACE-703EC44E3E5D}" type="datetimeFigureOut">
               <a:rPr lang="de-DE" smtClean="0"/>
-              <a:t>14.06.2018</a:t>
+              <a:t>07.06.2021</a:t>
             </a:fld>
             <a:endParaRPr lang="de-DE"/>
           </a:p>
@@ -904,7 +904,7 @@
           <a:p>
             <a:fld id="{1823C510-8ABD-4A57-BACE-703EC44E3E5D}" type="datetimeFigureOut">
               <a:rPr lang="de-DE" smtClean="0"/>
-              <a:t>14.06.2018</a:t>
+              <a:t>07.06.2021</a:t>
             </a:fld>
             <a:endParaRPr lang="de-DE"/>
           </a:p>
@@ -1214,7 +1214,7 @@
           <a:p>
             <a:fld id="{1823C510-8ABD-4A57-BACE-703EC44E3E5D}" type="datetimeFigureOut">
               <a:rPr lang="de-DE" smtClean="0"/>
-              <a:t>14.06.2018</a:t>
+              <a:t>07.06.2021</a:t>
             </a:fld>
             <a:endParaRPr lang="de-DE"/>
           </a:p>
@@ -1348,7 +1348,7 @@
           <a:p>
             <a:fld id="{1823C510-8ABD-4A57-BACE-703EC44E3E5D}" type="datetimeFigureOut">
               <a:rPr lang="de-DE" smtClean="0"/>
-              <a:t>14.06.2018</a:t>
+              <a:t>07.06.2021</a:t>
             </a:fld>
             <a:endParaRPr lang="de-DE"/>
           </a:p>
@@ -1591,7 +1591,7 @@
           <a:p>
             <a:fld id="{1823C510-8ABD-4A57-BACE-703EC44E3E5D}" type="datetimeFigureOut">
               <a:rPr lang="de-DE" smtClean="0"/>
-              <a:t>14.06.2018</a:t>
+              <a:t>07.06.2021</a:t>
             </a:fld>
             <a:endParaRPr lang="de-DE"/>
           </a:p>
@@ -1835,7 +1835,7 @@
           <a:p>
             <a:fld id="{1823C510-8ABD-4A57-BACE-703EC44E3E5D}" type="datetimeFigureOut">
               <a:rPr lang="de-DE" smtClean="0"/>
-              <a:t>14.06.2018</a:t>
+              <a:t>07.06.2021</a:t>
             </a:fld>
             <a:endParaRPr lang="de-DE"/>
           </a:p>
@@ -1932,7 +1932,7 @@
           <a:p>
             <a:fld id="{1823C510-8ABD-4A57-BACE-703EC44E3E5D}" type="datetimeFigureOut">
               <a:rPr lang="de-DE" smtClean="0"/>
-              <a:t>14.06.2018</a:t>
+              <a:t>07.06.2021</a:t>
             </a:fld>
             <a:endParaRPr lang="de-DE"/>
           </a:p>
@@ -2164,7 +2164,7 @@
           <a:p>
             <a:fld id="{1823C510-8ABD-4A57-BACE-703EC44E3E5D}" type="datetimeFigureOut">
               <a:rPr lang="de-DE" smtClean="0"/>
-              <a:t>14.06.2018</a:t>
+              <a:t>07.06.2021</a:t>
             </a:fld>
             <a:endParaRPr lang="de-DE"/>
           </a:p>
@@ -2474,7 +2474,7 @@
           <a:p>
             <a:fld id="{1823C510-8ABD-4A57-BACE-703EC44E3E5D}" type="datetimeFigureOut">
               <a:rPr lang="de-DE" smtClean="0"/>
-              <a:t>14.06.2018</a:t>
+              <a:t>07.06.2021</a:t>
             </a:fld>
             <a:endParaRPr lang="de-DE"/>
           </a:p>
@@ -2608,7 +2608,7 @@
           <a:p>
             <a:fld id="{1823C510-8ABD-4A57-BACE-703EC44E3E5D}" type="datetimeFigureOut">
               <a:rPr lang="de-DE" smtClean="0"/>
-              <a:t>14.06.2018</a:t>
+              <a:t>07.06.2021</a:t>
             </a:fld>
             <a:endParaRPr lang="de-DE"/>
           </a:p>
@@ -2889,7 +2889,7 @@
           <a:p>
             <a:fld id="{1823C510-8ABD-4A57-BACE-703EC44E3E5D}" type="datetimeFigureOut">
               <a:rPr lang="de-DE" smtClean="0"/>
-              <a:t>14.06.2018</a:t>
+              <a:t>07.06.2021</a:t>
             </a:fld>
             <a:endParaRPr lang="de-DE"/>
           </a:p>
@@ -3126,7 +3126,7 @@
           <a:p>
             <a:fld id="{1823C510-8ABD-4A57-BACE-703EC44E3E5D}" type="datetimeFigureOut">
               <a:rPr lang="de-DE" smtClean="0"/>
-              <a:t>14.06.2018</a:t>
+              <a:t>07.06.2021</a:t>
             </a:fld>
             <a:endParaRPr lang="de-DE"/>
           </a:p>
@@ -3543,7 +3543,7 @@
           <a:p>
             <a:fld id="{1823C510-8ABD-4A57-BACE-703EC44E3E5D}" type="datetimeFigureOut">
               <a:rPr lang="de-DE" smtClean="0"/>
-              <a:t>14.06.2018</a:t>
+              <a:t>07.06.2021</a:t>
             </a:fld>
             <a:endParaRPr lang="de-DE"/>
           </a:p>
@@ -4385,7 +4385,7 @@
           <a:p>
             <a:fld id="{1823C510-8ABD-4A57-BACE-703EC44E3E5D}" type="datetimeFigureOut">
               <a:rPr lang="de-DE" smtClean="0"/>
-              <a:t>14.06.2018</a:t>
+              <a:t>07.06.2021</a:t>
             </a:fld>
             <a:endParaRPr lang="de-DE"/>
           </a:p>
@@ -16899,13 +16899,18 @@
               <a:buNone/>
             </a:pPr>
             <a:r>
-              <a:rPr lang="de-DE" dirty="0" smtClean="0"/>
-              <a:t>Elektrostatische Aufladung</a:t>
+              <a:rPr lang="de-DE" sz="1600" dirty="0" smtClean="0"/>
+              <a:t>Elektrostatische </a:t>
             </a:r>
-          </a:p>
-          <a:p>
             <a:r>
-              <a:rPr lang="de-DE" dirty="0" smtClean="0"/>
+              <a:rPr lang="de-DE" sz="1400" dirty="0" smtClean="0"/>
+              <a:t>Aufladung</a:t>
+            </a:r>
+            <a:endParaRPr lang="de-DE" sz="1600" dirty="0" smtClean="0"/>
+          </a:p>
+          <a:p>
+            <a:r>
+              <a:rPr lang="de-DE" sz="1600" dirty="0" smtClean="0"/>
               <a:t>Welche Gefahren birgt die elektrostatische Aufladung in der Elektronik, und wie kann man sie reduzieren?</a:t>
             </a:r>
           </a:p>
@@ -16914,117 +16919,109 @@
               <a:buNone/>
             </a:pPr>
             <a:r>
-              <a:rPr lang="de-DE" dirty="0" smtClean="0"/>
+              <a:rPr lang="de-DE" sz="1600" dirty="0" smtClean="0"/>
               <a:t>Galvanische Elemente</a:t>
             </a:r>
           </a:p>
           <a:p>
             <a:r>
-              <a:rPr lang="de-DE" dirty="0" smtClean="0"/>
-              <a:t>Ermitteln und nennen Sie die Spannungsreihe verschiedener </a:t>
+              <a:rPr lang="de-DE" sz="1600" dirty="0" smtClean="0"/>
+              <a:t>Ermitteln und nennen Sie die Spannungsreihe verschiedener Metalle.</a:t>
             </a:r>
+          </a:p>
+          <a:p>
             <a:r>
-              <a:rPr lang="de-DE" dirty="0" smtClean="0"/>
-              <a:t>Metalle.</a:t>
+              <a:rPr lang="de-DE" sz="1600" dirty="0" smtClean="0"/>
+              <a:t>Erklären Sie den Unterschied zwischen Primär- und Sekundärzellen.</a:t>
             </a:r>
-            <a:endParaRPr lang="de-DE" dirty="0" smtClean="0"/>
-          </a:p>
-          <a:p>
-            <a:r>
-              <a:rPr lang="de-DE" dirty="0" smtClean="0"/>
-              <a:t>Erklären Sie den Unterschied zwischen Primär- und </a:t>
-            </a:r>
-            <a:r>
-              <a:rPr lang="de-DE" dirty="0" smtClean="0"/>
-              <a:t>Sekundärzellen.</a:t>
-            </a:r>
-            <a:endParaRPr lang="de-DE" dirty="0" smtClean="0"/>
           </a:p>
           <a:p>
             <a:pPr lvl="1"/>
             <a:r>
-              <a:rPr lang="de-DE" dirty="0" smtClean="0"/>
-              <a:t>Nennen Sie jeweils drei </a:t>
+              <a:rPr lang="de-DE" sz="1400" dirty="0" smtClean="0"/>
+              <a:t>Nennen Sie jeweils drei Beispiele.</a:t>
             </a:r>
+          </a:p>
+          <a:p>
             <a:r>
-              <a:rPr lang="de-DE" dirty="0" smtClean="0"/>
-              <a:t>Beispiele.</a:t>
+              <a:rPr lang="de-DE" sz="1600" dirty="0" smtClean="0"/>
+              <a:t>Erläutern Sie, warum meist mehrere GE zusammengeschaltet werden.</a:t>
             </a:r>
-            <a:endParaRPr lang="de-DE" dirty="0" smtClean="0"/>
-          </a:p>
-          <a:p>
-            <a:r>
-              <a:rPr lang="de-DE" dirty="0" smtClean="0"/>
-              <a:t>Erläutern Sie, warum meist mehrere GE zusammengeschaltet </a:t>
-            </a:r>
-            <a:r>
-              <a:rPr lang="de-DE" dirty="0" smtClean="0"/>
-              <a:t>werden.</a:t>
-            </a:r>
-            <a:endParaRPr lang="de-DE" dirty="0" smtClean="0"/>
           </a:p>
           <a:p>
             <a:pPr marL="0" indent="0">
               <a:buNone/>
             </a:pPr>
             <a:r>
-              <a:rPr lang="de-DE" dirty="0" smtClean="0"/>
+              <a:rPr lang="de-DE" sz="1600" dirty="0" smtClean="0"/>
               <a:t>Generatorprinzip</a:t>
             </a:r>
           </a:p>
           <a:p>
             <a:r>
-              <a:rPr lang="de-DE" dirty="0" smtClean="0"/>
-              <a:t>Nennen sie mindestens fünf </a:t>
+              <a:rPr lang="de-DE" sz="1600" dirty="0" smtClean="0"/>
+              <a:t>Nennen sie mindestens fünf Anwendungsgebiete für Generatoren in der Stromerzeugung.</a:t>
             </a:r>
-            <a:r>
-              <a:rPr lang="de-DE" dirty="0" smtClean="0"/>
-              <a:t>Anwendungsgebiete </a:t>
-            </a:r>
-            <a:r>
-              <a:rPr lang="de-DE" dirty="0" smtClean="0"/>
-              <a:t>für Generatoren in der </a:t>
-            </a:r>
-            <a:r>
-              <a:rPr lang="de-DE" dirty="0" smtClean="0"/>
-              <a:t>Stromerzeugung.</a:t>
-            </a:r>
-            <a:endParaRPr lang="de-DE" dirty="0" smtClean="0"/>
           </a:p>
           <a:p>
             <a:pPr marL="0" indent="0">
               <a:buNone/>
             </a:pPr>
             <a:r>
-              <a:rPr lang="de-DE" dirty="0" smtClean="0"/>
+              <a:rPr lang="de-DE" sz="1600" dirty="0" smtClean="0"/>
               <a:t>Piezoeffekt</a:t>
             </a:r>
           </a:p>
           <a:p>
             <a:r>
-              <a:rPr lang="de-DE" dirty="0" smtClean="0"/>
-              <a:t>Nennen Sie jeweils ein Beispiel für die Anwendung </a:t>
+              <a:rPr lang="de-DE" sz="1600" dirty="0" smtClean="0"/>
+              <a:t>Nennen Sie jeweils ein Beispiel für die Anwendung des Piezoeffektes.</a:t>
+            </a:r>
+          </a:p>
+          <a:p>
+            <a:pPr lvl="1"/>
+            <a:r>
+              <a:rPr lang="de-DE" sz="1400" dirty="0" smtClean="0"/>
+              <a:t>Zur Stromerzeugung</a:t>
+            </a:r>
+          </a:p>
+          <a:p>
+            <a:pPr lvl="1"/>
+            <a:r>
+              <a:rPr lang="de-DE" sz="1400" dirty="0" smtClean="0"/>
+              <a:t>Zur Verformung vom </a:t>
             </a:r>
             <a:r>
-              <a:rPr lang="de-DE" dirty="0" smtClean="0"/>
-              <a:t>des Piezoeffektes.</a:t>
+              <a:rPr lang="de-DE" sz="1400" dirty="0" smtClean="0"/>
+              <a:t>Material</a:t>
             </a:r>
-            <a:endParaRPr lang="de-DE" dirty="0" smtClean="0"/>
+            <a:endParaRPr lang="de-DE" sz="1400" dirty="0"/>
+          </a:p>
+          <a:p>
+            <a:r>
+              <a:rPr lang="de-DE" sz="1600" dirty="0" smtClean="0"/>
+              <a:t>Zusatzaufgabe:</a:t>
+            </a:r>
           </a:p>
           <a:p>
             <a:pPr lvl="1"/>
             <a:r>
-              <a:rPr lang="de-DE" dirty="0" smtClean="0"/>
-              <a:t>Zur Stromerzeugung</a:t>
+              <a:rPr lang="de-DE" sz="1400" dirty="0" smtClean="0"/>
+              <a:t>Erläutern Sie das </a:t>
             </a:r>
-          </a:p>
-          <a:p>
-            <a:pPr lvl="1"/>
             <a:r>
-              <a:rPr lang="de-DE" dirty="0" smtClean="0"/>
-              <a:t>Zur Verformung vom Material</a:t>
+              <a:rPr lang="de-DE" sz="1400" dirty="0" err="1" smtClean="0"/>
+              <a:t>Generatorenprinzip</a:t>
             </a:r>
-            <a:endParaRPr lang="de-DE" dirty="0"/>
+            <a:r>
+              <a:rPr lang="de-DE" sz="1400" dirty="0" smtClean="0"/>
+              <a:t> anhand </a:t>
+            </a:r>
+            <a:r>
+              <a:rPr lang="de-DE" sz="1400" smtClean="0"/>
+              <a:t>von Beispielen.</a:t>
+            </a:r>
+            <a:endParaRPr lang="de-DE" sz="1400" dirty="0" smtClean="0"/>
           </a:p>
         </p:txBody>
       </p:sp>
